--- a/ArtificialIntelligence/ArtificialIntelligence.pptx
+++ b/ArtificialIntelligence/ArtificialIntelligence.pptx
@@ -5,7 +5,7 @@
     <p:sldMasterId id="2147483648" r:id="rId1"/>
   </p:sldMasterIdLst>
   <p:notesMasterIdLst>
-    <p:notesMasterId r:id="rId42"/>
+    <p:notesMasterId r:id="rId44"/>
   </p:notesMasterIdLst>
   <p:sldIdLst>
     <p:sldId id="256" r:id="rId2"/>
@@ -42,12 +42,14 @@
     <p:sldId id="456" r:id="rId33"/>
     <p:sldId id="457" r:id="rId34"/>
     <p:sldId id="458" r:id="rId35"/>
-    <p:sldId id="459" r:id="rId36"/>
-    <p:sldId id="460" r:id="rId37"/>
-    <p:sldId id="461" r:id="rId38"/>
-    <p:sldId id="462" r:id="rId39"/>
-    <p:sldId id="463" r:id="rId40"/>
-    <p:sldId id="269" r:id="rId41"/>
+    <p:sldId id="464" r:id="rId36"/>
+    <p:sldId id="459" r:id="rId37"/>
+    <p:sldId id="460" r:id="rId38"/>
+    <p:sldId id="461" r:id="rId39"/>
+    <p:sldId id="462" r:id="rId40"/>
+    <p:sldId id="465" r:id="rId41"/>
+    <p:sldId id="463" r:id="rId42"/>
+    <p:sldId id="269" r:id="rId43"/>
   </p:sldIdLst>
   <p:sldSz cx="9144000" cy="6858000" type="screen4x3"/>
   <p:notesSz cx="6858000" cy="9144000"/>
@@ -232,7 +234,7 @@
             <a:fld id="{98BFDCCA-FFB9-49F6-B56E-F6432283D67C}" type="datetimeFigureOut">
               <a:rPr lang="en-US" smtClean="0"/>
               <a:pPr/>
-              <a:t>12/16/2022</a:t>
+              <a:t>1/2/2023</a:t>
             </a:fld>
             <a:endParaRPr lang="en-US"/>
           </a:p>
@@ -680,7 +682,7 @@
             <a:fld id="{9099FEDA-6AC3-495C-A467-2B0399D71BB7}" type="datetimeFigureOut">
               <a:rPr lang="en-US" smtClean="0"/>
               <a:pPr/>
-              <a:t>12/16/2022</a:t>
+              <a:t>1/2/2023</a:t>
             </a:fld>
             <a:endParaRPr lang="en-US"/>
           </a:p>
@@ -847,7 +849,7 @@
             <a:fld id="{9099FEDA-6AC3-495C-A467-2B0399D71BB7}" type="datetimeFigureOut">
               <a:rPr lang="en-US" smtClean="0"/>
               <a:pPr/>
-              <a:t>12/16/2022</a:t>
+              <a:t>1/2/2023</a:t>
             </a:fld>
             <a:endParaRPr lang="en-US"/>
           </a:p>
@@ -1024,7 +1026,7 @@
             <a:fld id="{9099FEDA-6AC3-495C-A467-2B0399D71BB7}" type="datetimeFigureOut">
               <a:rPr lang="en-US" smtClean="0"/>
               <a:pPr/>
-              <a:t>12/16/2022</a:t>
+              <a:t>1/2/2023</a:t>
             </a:fld>
             <a:endParaRPr lang="en-US"/>
           </a:p>
@@ -1191,7 +1193,7 @@
             <a:fld id="{9099FEDA-6AC3-495C-A467-2B0399D71BB7}" type="datetimeFigureOut">
               <a:rPr lang="en-US" smtClean="0"/>
               <a:pPr/>
-              <a:t>12/16/2022</a:t>
+              <a:t>1/2/2023</a:t>
             </a:fld>
             <a:endParaRPr lang="en-US"/>
           </a:p>
@@ -1434,7 +1436,7 @@
             <a:fld id="{9099FEDA-6AC3-495C-A467-2B0399D71BB7}" type="datetimeFigureOut">
               <a:rPr lang="en-US" smtClean="0"/>
               <a:pPr/>
-              <a:t>12/16/2022</a:t>
+              <a:t>1/2/2023</a:t>
             </a:fld>
             <a:endParaRPr lang="en-US"/>
           </a:p>
@@ -1719,7 +1721,7 @@
             <a:fld id="{9099FEDA-6AC3-495C-A467-2B0399D71BB7}" type="datetimeFigureOut">
               <a:rPr lang="en-US" smtClean="0"/>
               <a:pPr/>
-              <a:t>12/16/2022</a:t>
+              <a:t>1/2/2023</a:t>
             </a:fld>
             <a:endParaRPr lang="en-US"/>
           </a:p>
@@ -2138,7 +2140,7 @@
             <a:fld id="{9099FEDA-6AC3-495C-A467-2B0399D71BB7}" type="datetimeFigureOut">
               <a:rPr lang="en-US" smtClean="0"/>
               <a:pPr/>
-              <a:t>12/16/2022</a:t>
+              <a:t>1/2/2023</a:t>
             </a:fld>
             <a:endParaRPr lang="en-US"/>
           </a:p>
@@ -2253,7 +2255,7 @@
             <a:fld id="{9099FEDA-6AC3-495C-A467-2B0399D71BB7}" type="datetimeFigureOut">
               <a:rPr lang="en-US" smtClean="0"/>
               <a:pPr/>
-              <a:t>12/16/2022</a:t>
+              <a:t>1/2/2023</a:t>
             </a:fld>
             <a:endParaRPr lang="en-US"/>
           </a:p>
@@ -2345,7 +2347,7 @@
             <a:fld id="{9099FEDA-6AC3-495C-A467-2B0399D71BB7}" type="datetimeFigureOut">
               <a:rPr lang="en-US" smtClean="0"/>
               <a:pPr/>
-              <a:t>12/16/2022</a:t>
+              <a:t>1/2/2023</a:t>
             </a:fld>
             <a:endParaRPr lang="en-US"/>
           </a:p>
@@ -2619,7 +2621,7 @@
             <a:fld id="{9099FEDA-6AC3-495C-A467-2B0399D71BB7}" type="datetimeFigureOut">
               <a:rPr lang="en-US" smtClean="0"/>
               <a:pPr/>
-              <a:t>12/16/2022</a:t>
+              <a:t>1/2/2023</a:t>
             </a:fld>
             <a:endParaRPr lang="en-US"/>
           </a:p>
@@ -2869,7 +2871,7 @@
             <a:fld id="{9099FEDA-6AC3-495C-A467-2B0399D71BB7}" type="datetimeFigureOut">
               <a:rPr lang="en-US" smtClean="0"/>
               <a:pPr/>
-              <a:t>12/16/2022</a:t>
+              <a:t>1/2/2023</a:t>
             </a:fld>
             <a:endParaRPr lang="en-US"/>
           </a:p>
@@ -3079,7 +3081,7 @@
             <a:fld id="{9099FEDA-6AC3-495C-A467-2B0399D71BB7}" type="datetimeFigureOut">
               <a:rPr lang="en-US" smtClean="0"/>
               <a:pPr/>
-              <a:t>12/16/2022</a:t>
+              <a:t>1/2/2023</a:t>
             </a:fld>
             <a:endParaRPr lang="en-US"/>
           </a:p>
@@ -4008,13 +4010,8 @@
             <a:pPr lvl="1"/>
             <a:r>
               <a:rPr lang="en-IN" dirty="0" smtClean="0"/>
-              <a:t>Example – </a:t>
-            </a:r>
-            <a:r>
-              <a:rPr lang="en-IN" dirty="0" smtClean="0"/>
-              <a:t>Image classification</a:t>
-            </a:r>
-            <a:endParaRPr lang="en-IN" dirty="0" smtClean="0"/>
+              <a:t>Example – Image classification</a:t>
+            </a:r>
           </a:p>
           <a:p>
             <a:endParaRPr lang="en-US" dirty="0" smtClean="0"/>
@@ -4235,11 +4232,7 @@
           <a:p>
             <a:r>
               <a:rPr lang="en-IN" dirty="0" smtClean="0"/>
-              <a:t>Image classification </a:t>
-            </a:r>
-            <a:r>
-              <a:rPr lang="en-IN" dirty="0" smtClean="0"/>
-              <a:t>– Classification model</a:t>
+              <a:t>Image classification – Classification model</a:t>
             </a:r>
           </a:p>
           <a:p>
@@ -4269,7 +4262,6 @@
               <a:rPr lang="en-IN" dirty="0" smtClean="0"/>
               <a:t>Classify image</a:t>
             </a:r>
-            <a:endParaRPr lang="en-IN" dirty="0" smtClean="0"/>
           </a:p>
           <a:p>
             <a:pPr lvl="1"/>
@@ -4858,23 +4850,14 @@
           <a:p>
             <a:r>
               <a:rPr lang="en-US" dirty="0" smtClean="0"/>
-              <a:t>ML </a:t>
-            </a:r>
-            <a:r>
-              <a:rPr lang="en-US" dirty="0" smtClean="0"/>
-              <a:t>Classification</a:t>
-            </a:r>
-          </a:p>
-          <a:p>
-            <a:r>
-              <a:rPr lang="en-US" dirty="0" smtClean="0"/>
-              <a:t>Deep Learning </a:t>
-            </a:r>
-            <a:r>
-              <a:rPr lang="en-US" dirty="0" smtClean="0"/>
-              <a:t>– What ?</a:t>
-            </a:r>
-            <a:endParaRPr lang="en-US" dirty="0" smtClean="0"/>
+              <a:t>ML Classification</a:t>
+            </a:r>
+          </a:p>
+          <a:p>
+            <a:r>
+              <a:rPr lang="en-US" dirty="0" smtClean="0"/>
+              <a:t>Deep Learning – What ?</a:t>
+            </a:r>
           </a:p>
           <a:p>
             <a:endParaRPr lang="en-US" dirty="0"/>
@@ -4979,7 +4962,6 @@
               <a:rPr lang="en-IN" dirty="0" smtClean="0"/>
               <a:t>Compute reconstruction error</a:t>
             </a:r>
-            <a:endParaRPr lang="en-IN" dirty="0" smtClean="0"/>
           </a:p>
           <a:p>
             <a:pPr lvl="1"/>
@@ -4992,19 +4974,7 @@
             <a:pPr lvl="1"/>
             <a:r>
               <a:rPr lang="en-IN" dirty="0" smtClean="0"/>
-              <a:t>Detect </a:t>
-            </a:r>
-            <a:r>
-              <a:rPr lang="en-IN" dirty="0" smtClean="0"/>
-              <a:t>anomaly using </a:t>
-            </a:r>
-            <a:r>
-              <a:rPr lang="en-IN" dirty="0" smtClean="0"/>
-              <a:t>error </a:t>
-            </a:r>
-            <a:r>
-              <a:rPr lang="en-IN" dirty="0" smtClean="0"/>
-              <a:t>and threshold</a:t>
+              <a:t>Detect anomaly using error and threshold</a:t>
             </a:r>
             <a:endParaRPr lang="en-US" dirty="0" smtClean="0"/>
           </a:p>
@@ -5061,15 +5031,7 @@
           <a:p>
             <a:r>
               <a:rPr lang="en-US" dirty="0" smtClean="0"/>
-              <a:t>Reinforcement </a:t>
-            </a:r>
-            <a:r>
-              <a:rPr lang="en-US" dirty="0" smtClean="0"/>
-              <a:t>Learning </a:t>
-            </a:r>
-            <a:r>
-              <a:rPr lang="en-US" dirty="0" smtClean="0"/>
-              <a:t>– What ?  </a:t>
+              <a:t>Reinforcement Learning – What ?  </a:t>
             </a:r>
             <a:endParaRPr lang="en-US" dirty="0"/>
           </a:p>
@@ -5102,16 +5064,11 @@
               <a:rPr lang="en-IN" dirty="0" smtClean="0"/>
               <a:t>Take suitable action </a:t>
             </a:r>
-            <a:endParaRPr lang="en-IN" dirty="0" smtClean="0"/>
-          </a:p>
-          <a:p>
-            <a:r>
-              <a:rPr lang="en-IN" dirty="0" smtClean="0"/>
-              <a:t>Maximize </a:t>
-            </a:r>
-            <a:r>
-              <a:rPr lang="en-IN" dirty="0" smtClean="0"/>
-              <a:t>reward in particular situation</a:t>
+          </a:p>
+          <a:p>
+            <a:r>
+              <a:rPr lang="en-IN" dirty="0" smtClean="0"/>
+              <a:t>Maximize reward in particular situation</a:t>
             </a:r>
             <a:endParaRPr lang="en-US" dirty="0" smtClean="0"/>
           </a:p>
@@ -5168,11 +5125,7 @@
           <a:p>
             <a:r>
               <a:rPr lang="en-US" dirty="0" smtClean="0"/>
-              <a:t>Reinforcement Learning </a:t>
-            </a:r>
-            <a:r>
-              <a:rPr lang="en-US" dirty="0" smtClean="0"/>
-              <a:t>– Terms  </a:t>
+              <a:t>Reinforcement Learning – Terms  </a:t>
             </a:r>
             <a:endParaRPr lang="en-US" dirty="0"/>
           </a:p>
@@ -5203,52 +5156,26 @@
           <a:p>
             <a:r>
               <a:rPr lang="en-US" dirty="0" smtClean="0"/>
-              <a:t>Agent interactions </a:t>
-            </a:r>
-            <a:r>
-              <a:rPr lang="en-US" dirty="0" smtClean="0"/>
-              <a:t>– Episodes </a:t>
-            </a:r>
-            <a:endParaRPr lang="en-US" dirty="0" smtClean="0"/>
-          </a:p>
-          <a:p>
-            <a:r>
-              <a:rPr lang="en-US" dirty="0" smtClean="0"/>
-              <a:t>Feedback </a:t>
-            </a:r>
-            <a:r>
-              <a:rPr lang="en-US" dirty="0" smtClean="0"/>
-              <a:t>– Rewards or </a:t>
-            </a:r>
-            <a:r>
-              <a:rPr lang="en-US" dirty="0" smtClean="0"/>
-              <a:t>penalties</a:t>
-            </a:r>
-          </a:p>
-          <a:p>
-            <a:r>
-              <a:rPr lang="en-US" dirty="0" smtClean="0"/>
-              <a:t>Objective </a:t>
-            </a:r>
-            <a:r>
-              <a:rPr lang="en-US" dirty="0" smtClean="0"/>
-              <a:t>– Maximize rewards </a:t>
-            </a:r>
-          </a:p>
-          <a:p>
-            <a:r>
-              <a:rPr lang="en-US" dirty="0" smtClean="0"/>
-              <a:t>Exploration </a:t>
-            </a:r>
-            <a:r>
-              <a:rPr lang="en-US" dirty="0" smtClean="0"/>
-              <a:t>v/s </a:t>
-            </a:r>
-            <a:r>
-              <a:rPr lang="en-US" dirty="0" smtClean="0"/>
-              <a:t>Exploitation</a:t>
-            </a:r>
-            <a:endParaRPr lang="en-US" dirty="0" smtClean="0"/>
+              <a:t>Agent interactions – Episodes </a:t>
+            </a:r>
+          </a:p>
+          <a:p>
+            <a:r>
+              <a:rPr lang="en-US" dirty="0" smtClean="0"/>
+              <a:t>Feedback – Rewards or penalties</a:t>
+            </a:r>
+          </a:p>
+          <a:p>
+            <a:r>
+              <a:rPr lang="en-US" dirty="0" smtClean="0"/>
+              <a:t>Objective – Maximize rewards </a:t>
+            </a:r>
+          </a:p>
+          <a:p>
+            <a:r>
+              <a:rPr lang="en-US" dirty="0" smtClean="0"/>
+              <a:t>Exploration v/s Exploitation</a:t>
+            </a:r>
           </a:p>
         </p:txBody>
       </p:sp>
@@ -5303,11 +5230,7 @@
           <a:p>
             <a:r>
               <a:rPr lang="en-US" dirty="0" smtClean="0"/>
-              <a:t>Reinforcement Learning </a:t>
-            </a:r>
-            <a:r>
-              <a:rPr lang="en-US" dirty="0" smtClean="0"/>
-              <a:t>– Examples </a:t>
+              <a:t>Reinforcement Learning – Examples </a:t>
             </a:r>
             <a:endParaRPr lang="en-US" dirty="0"/>
           </a:p>
@@ -5345,13 +5268,8 @@
           <a:p>
             <a:r>
               <a:rPr lang="en-US" dirty="0" smtClean="0"/>
-              <a:t>Autonomous drones </a:t>
-            </a:r>
-            <a:r>
-              <a:rPr lang="en-US" dirty="0" smtClean="0"/>
-              <a:t>– Stanford University</a:t>
-            </a:r>
-            <a:endParaRPr lang="en-US" dirty="0" smtClean="0"/>
+              <a:t>Autonomous drones – Stanford University</a:t>
+            </a:r>
           </a:p>
         </p:txBody>
       </p:sp>
@@ -5406,15 +5324,7 @@
           <a:p>
             <a:r>
               <a:rPr lang="en-IN" dirty="0" smtClean="0"/>
-              <a:t>Semi Supervised </a:t>
-            </a:r>
-            <a:r>
-              <a:rPr lang="en-IN" dirty="0" smtClean="0"/>
-              <a:t>Learning </a:t>
-            </a:r>
-            <a:r>
-              <a:rPr lang="en-IN" dirty="0" smtClean="0"/>
-              <a:t>– What ?</a:t>
+              <a:t>Semi Supervised Learning – What ?</a:t>
             </a:r>
             <a:r>
               <a:rPr lang="en-US" dirty="0" smtClean="0"/>
@@ -5443,25 +5353,13 @@
           <a:p>
             <a:r>
               <a:rPr lang="en-US" dirty="0" smtClean="0"/>
-              <a:t>Supervised learning + </a:t>
-            </a:r>
-            <a:r>
-              <a:rPr lang="en-US" dirty="0" smtClean="0"/>
-              <a:t>Unsupervised </a:t>
-            </a:r>
-            <a:r>
-              <a:rPr lang="en-US" dirty="0" smtClean="0"/>
-              <a:t>learning</a:t>
-            </a:r>
-          </a:p>
-          <a:p>
-            <a:r>
-              <a:rPr lang="en-US" dirty="0" smtClean="0"/>
-              <a:t>Small </a:t>
-            </a:r>
-            <a:r>
-              <a:rPr lang="en-US" dirty="0" smtClean="0"/>
-              <a:t>– Labeled dataset </a:t>
+              <a:t>Supervised learning + Unsupervised learning</a:t>
+            </a:r>
+          </a:p>
+          <a:p>
+            <a:r>
+              <a:rPr lang="en-US" dirty="0" smtClean="0"/>
+              <a:t>Small – Labeled dataset </a:t>
             </a:r>
           </a:p>
           <a:p>
@@ -5469,20 +5367,11 @@
               <a:rPr lang="en-US" dirty="0" smtClean="0"/>
               <a:t>Large – Unlabeled dataset</a:t>
             </a:r>
-            <a:endParaRPr lang="en-US" dirty="0" smtClean="0"/>
-          </a:p>
-          <a:p>
-            <a:r>
-              <a:rPr lang="en-US" dirty="0" smtClean="0"/>
-              <a:t>Labeled </a:t>
-            </a:r>
-            <a:r>
-              <a:rPr lang="en-US" dirty="0" smtClean="0"/>
-              <a:t>dataset </a:t>
-            </a:r>
-            <a:r>
-              <a:rPr lang="en-US" dirty="0" smtClean="0"/>
-              <a:t>– More </a:t>
+          </a:p>
+          <a:p>
+            <a:r>
+              <a:rPr lang="en-US" dirty="0" smtClean="0"/>
+              <a:t>Labeled dataset – More </a:t>
             </a:r>
             <a:r>
               <a:rPr lang="en-US" dirty="0" err="1" smtClean="0"/>
@@ -5493,15 +5382,7 @@
           <a:p>
             <a:r>
               <a:rPr lang="en-US" dirty="0" smtClean="0"/>
-              <a:t>Unlabeled </a:t>
-            </a:r>
-            <a:r>
-              <a:rPr lang="en-US" dirty="0" smtClean="0"/>
-              <a:t>dataset – </a:t>
-            </a:r>
-            <a:r>
-              <a:rPr lang="en-US" dirty="0" smtClean="0"/>
-              <a:t>Less </a:t>
+              <a:t>Unlabeled dataset – Less </a:t>
             </a:r>
             <a:r>
               <a:rPr lang="en-US" dirty="0" err="1" smtClean="0"/>
@@ -5562,15 +5443,7 @@
           <a:p>
             <a:r>
               <a:rPr lang="en-IN" dirty="0" smtClean="0"/>
-              <a:t>Semi Supervised </a:t>
-            </a:r>
-            <a:r>
-              <a:rPr lang="en-IN" dirty="0" smtClean="0"/>
-              <a:t>Learning </a:t>
-            </a:r>
-            <a:r>
-              <a:rPr lang="en-IN" dirty="0" smtClean="0"/>
-              <a:t>– What ?</a:t>
+              <a:t>Semi Supervised Learning – What ?</a:t>
             </a:r>
             <a:r>
               <a:rPr lang="en-US" dirty="0" smtClean="0"/>
@@ -5599,44 +5472,26 @@
           <a:p>
             <a:r>
               <a:rPr lang="en-US" dirty="0" smtClean="0"/>
-              <a:t>Train </a:t>
-            </a:r>
-            <a:r>
-              <a:rPr lang="en-US" dirty="0" smtClean="0"/>
-              <a:t>model using labeled </a:t>
-            </a:r>
-            <a:r>
-              <a:rPr lang="en-US" dirty="0" smtClean="0"/>
-              <a:t>dataset.</a:t>
-            </a:r>
-            <a:endParaRPr lang="en-US" dirty="0" smtClean="0"/>
+              <a:t>Train model using labeled dataset.</a:t>
+            </a:r>
           </a:p>
           <a:p>
             <a:r>
               <a:rPr lang="en-US" dirty="0" smtClean="0"/>
               <a:t>Pseudo labeling </a:t>
             </a:r>
-            <a:endParaRPr lang="en-US" dirty="0" smtClean="0"/>
           </a:p>
           <a:p>
             <a:pPr lvl="1"/>
             <a:r>
               <a:rPr lang="en-US" dirty="0" smtClean="0"/>
-              <a:t>Use </a:t>
-            </a:r>
-            <a:r>
-              <a:rPr lang="en-US" dirty="0" smtClean="0"/>
-              <a:t>trained model to label unlabeled dataset.</a:t>
-            </a:r>
-          </a:p>
-          <a:p>
-            <a:r>
-              <a:rPr lang="en-US" dirty="0" smtClean="0"/>
-              <a:t>Train model using composite </a:t>
-            </a:r>
-            <a:r>
-              <a:rPr lang="en-US" dirty="0" smtClean="0"/>
-              <a:t>dataset. </a:t>
+              <a:t>Use trained model to label unlabeled dataset.</a:t>
+            </a:r>
+          </a:p>
+          <a:p>
+            <a:r>
+              <a:rPr lang="en-US" dirty="0" smtClean="0"/>
+              <a:t>Train model using composite dataset. </a:t>
             </a:r>
           </a:p>
           <a:p>
@@ -5644,7 +5499,6 @@
               <a:rPr lang="en-US" dirty="0" smtClean="0"/>
               <a:t>Improve model performance.</a:t>
             </a:r>
-            <a:endParaRPr lang="en-US" dirty="0" smtClean="0"/>
           </a:p>
         </p:txBody>
       </p:sp>
@@ -5699,11 +5553,7 @@
           <a:p>
             <a:r>
               <a:rPr lang="en-IN" dirty="0" smtClean="0"/>
-              <a:t>Semi Supervised </a:t>
-            </a:r>
-            <a:r>
-              <a:rPr lang="en-IN" dirty="0" smtClean="0"/>
-              <a:t>Learning – Examples</a:t>
+              <a:t>Semi Supervised Learning – Examples</a:t>
             </a:r>
             <a:r>
               <a:rPr lang="en-US" dirty="0" smtClean="0"/>
@@ -5753,13 +5603,8 @@
             <a:pPr lvl="1"/>
             <a:r>
               <a:rPr lang="en-US" dirty="0" smtClean="0"/>
-              <a:t>Train model </a:t>
-            </a:r>
-            <a:r>
-              <a:rPr lang="en-US" dirty="0" smtClean="0"/>
-              <a:t>using open dataset</a:t>
-            </a:r>
-            <a:endParaRPr lang="en-US" dirty="0" smtClean="0"/>
+              <a:t>Train model using open dataset</a:t>
+            </a:r>
           </a:p>
           <a:p>
             <a:pPr lvl="1"/>
@@ -5781,7 +5626,6 @@
               <a:rPr lang="en-US" dirty="0" smtClean="0"/>
               <a:t>Improve performance using composite dataset</a:t>
             </a:r>
-            <a:endParaRPr lang="en-US" dirty="0" smtClean="0"/>
           </a:p>
         </p:txBody>
       </p:sp>
@@ -5836,11 +5680,7 @@
           <a:p>
             <a:r>
               <a:rPr lang="en-IN" dirty="0" smtClean="0"/>
-              <a:t>Semi Supervised </a:t>
-            </a:r>
-            <a:r>
-              <a:rPr lang="en-IN" dirty="0" smtClean="0"/>
-              <a:t>Learning – Examples</a:t>
+              <a:t>Semi Supervised Learning – Examples</a:t>
             </a:r>
             <a:r>
               <a:rPr lang="en-US" dirty="0" smtClean="0"/>
@@ -5876,11 +5716,7 @@
             <a:pPr lvl="1"/>
             <a:r>
               <a:rPr lang="en-US" dirty="0" smtClean="0"/>
-              <a:t>Generate </a:t>
-            </a:r>
-            <a:r>
-              <a:rPr lang="en-US" dirty="0" smtClean="0"/>
-              <a:t>synthetic dataset</a:t>
+              <a:t>Generate synthetic dataset</a:t>
             </a:r>
           </a:p>
           <a:p>
@@ -5889,7 +5725,6 @@
               <a:rPr lang="en-US" dirty="0" smtClean="0"/>
               <a:t>Collect unlabeled real dataset </a:t>
             </a:r>
-            <a:endParaRPr lang="en-US" dirty="0" smtClean="0"/>
           </a:p>
           <a:p>
             <a:pPr lvl="1"/>
@@ -5904,7 +5739,6 @@
               <a:rPr lang="en-US" dirty="0" smtClean="0"/>
               <a:t>Label real dataset using trained model</a:t>
             </a:r>
-            <a:endParaRPr lang="en-US" dirty="0" smtClean="0"/>
           </a:p>
           <a:p>
             <a:pPr lvl="1"/>
@@ -5912,7 +5746,6 @@
               <a:rPr lang="en-US" dirty="0" smtClean="0"/>
               <a:t>Improve performance using composite dataset</a:t>
             </a:r>
-            <a:endParaRPr lang="en-US" dirty="0" smtClean="0"/>
           </a:p>
         </p:txBody>
       </p:sp>
@@ -5967,15 +5800,7 @@
           <a:p>
             <a:r>
               <a:rPr lang="en-IN" dirty="0" smtClean="0"/>
-              <a:t>Self Supervised </a:t>
-            </a:r>
-            <a:r>
-              <a:rPr lang="en-IN" dirty="0" smtClean="0"/>
-              <a:t>Learning </a:t>
-            </a:r>
-            <a:r>
-              <a:rPr lang="en-IN" dirty="0" smtClean="0"/>
-              <a:t>– What ?</a:t>
+              <a:t>Self Supervised Learning – What ?</a:t>
             </a:r>
             <a:r>
               <a:rPr lang="en-US" dirty="0" smtClean="0"/>
@@ -6010,30 +5835,13 @@
           <a:p>
             <a:r>
               <a:rPr lang="en-IN" dirty="0" smtClean="0"/>
-              <a:t>Generate </a:t>
-            </a:r>
-            <a:r>
-              <a:rPr lang="en-IN" dirty="0" smtClean="0"/>
-              <a:t>labelled </a:t>
-            </a:r>
-            <a:r>
-              <a:rPr lang="en-IN" dirty="0" smtClean="0"/>
-              <a:t>dataset using large amount of </a:t>
-            </a:r>
-            <a:r>
-              <a:rPr lang="en-IN" dirty="0" smtClean="0"/>
-              <a:t>dataset</a:t>
-            </a:r>
-            <a:endParaRPr lang="en-IN" dirty="0" smtClean="0"/>
-          </a:p>
-          <a:p>
-            <a:r>
-              <a:rPr lang="en-IN" dirty="0" smtClean="0"/>
-              <a:t>Train model using </a:t>
-            </a:r>
-            <a:r>
-              <a:rPr lang="en-IN" dirty="0" smtClean="0"/>
-              <a:t>labelled dataset</a:t>
+              <a:t>Generate labelled dataset using large amount of dataset</a:t>
+            </a:r>
+          </a:p>
+          <a:p>
+            <a:r>
+              <a:rPr lang="en-IN" dirty="0" smtClean="0"/>
+              <a:t>Train model using labelled dataset</a:t>
             </a:r>
             <a:endParaRPr lang="en-US" dirty="0" smtClean="0"/>
           </a:p>
@@ -6090,11 +5898,7 @@
           <a:p>
             <a:r>
               <a:rPr lang="en-US" dirty="0" smtClean="0"/>
-              <a:t>Self Supervised Learning </a:t>
-            </a:r>
-            <a:r>
-              <a:rPr lang="en-US" dirty="0" smtClean="0"/>
-              <a:t>– Examples </a:t>
+              <a:t>Self Supervised Learning – Examples </a:t>
             </a:r>
             <a:endParaRPr lang="en-US" dirty="0"/>
           </a:p>
@@ -6119,67 +5923,35 @@
           <a:p>
             <a:r>
               <a:rPr lang="en-IN" dirty="0" smtClean="0"/>
-              <a:t>Gray images to </a:t>
-            </a:r>
-            <a:r>
-              <a:rPr lang="en-IN" dirty="0" smtClean="0"/>
-              <a:t>colour </a:t>
-            </a:r>
-            <a:r>
-              <a:rPr lang="en-IN" dirty="0" smtClean="0"/>
-              <a:t>images</a:t>
+              <a:t>Gray images to colour images</a:t>
             </a:r>
           </a:p>
           <a:p>
             <a:pPr lvl="1"/>
             <a:r>
               <a:rPr lang="en-IN" dirty="0" smtClean="0"/>
-              <a:t>Use </a:t>
-            </a:r>
-            <a:r>
-              <a:rPr lang="en-IN" dirty="0" smtClean="0"/>
-              <a:t>colour images </a:t>
+              <a:t>Use colour images </a:t>
             </a:r>
           </a:p>
           <a:p>
             <a:pPr lvl="1"/>
             <a:r>
               <a:rPr lang="en-IN" dirty="0" smtClean="0"/>
-              <a:t>Generate </a:t>
-            </a:r>
-            <a:r>
-              <a:rPr lang="en-IN" dirty="0" smtClean="0"/>
-              <a:t>corresponding gray </a:t>
-            </a:r>
-            <a:r>
-              <a:rPr lang="en-IN" dirty="0" smtClean="0"/>
-              <a:t>images</a:t>
+              <a:t>Generate corresponding gray images</a:t>
             </a:r>
           </a:p>
           <a:p>
             <a:pPr lvl="1"/>
             <a:r>
               <a:rPr lang="en-IN" dirty="0" smtClean="0"/>
-              <a:t>Labelled </a:t>
-            </a:r>
-            <a:r>
-              <a:rPr lang="en-IN" dirty="0" smtClean="0"/>
-              <a:t>dataset</a:t>
+              <a:t>Labelled dataset</a:t>
             </a:r>
           </a:p>
           <a:p>
             <a:pPr lvl="1"/>
             <a:r>
               <a:rPr lang="en-IN" dirty="0" smtClean="0"/>
-              <a:t>Train model using </a:t>
-            </a:r>
-            <a:r>
-              <a:rPr lang="en-IN" dirty="0" smtClean="0"/>
-              <a:t>labelled </a:t>
-            </a:r>
-            <a:r>
-              <a:rPr lang="en-IN" dirty="0" smtClean="0"/>
-              <a:t>dataset</a:t>
+              <a:t>Train model using labelled dataset</a:t>
             </a:r>
             <a:endParaRPr lang="en-US" dirty="0" smtClean="0"/>
           </a:p>
@@ -6267,13 +6039,8 @@
             </a:r>
             <a:r>
               <a:rPr lang="en-US" dirty="0" smtClean="0"/>
-              <a:t>– </a:t>
-            </a:r>
-            <a:r>
-              <a:rPr lang="en-US" dirty="0" smtClean="0"/>
-              <a:t>Artificial Intelligence</a:t>
-            </a:r>
-            <a:endParaRPr lang="en-US" dirty="0" smtClean="0"/>
+              <a:t>– Artificial Intelligence</a:t>
+            </a:r>
           </a:p>
           <a:p>
             <a:r>
@@ -6347,11 +6114,7 @@
           <a:p>
             <a:r>
               <a:rPr lang="en-US" dirty="0" smtClean="0"/>
-              <a:t>Self Supervised Learning </a:t>
-            </a:r>
-            <a:r>
-              <a:rPr lang="en-US" dirty="0" smtClean="0"/>
-              <a:t>– Examples </a:t>
+              <a:t>Self Supervised Learning – Examples </a:t>
             </a:r>
             <a:endParaRPr lang="en-US" dirty="0"/>
           </a:p>
@@ -6376,13 +6139,8 @@
           <a:p>
             <a:r>
               <a:rPr lang="en-IN" dirty="0" smtClean="0"/>
-              <a:t>Predict next word </a:t>
-            </a:r>
-            <a:r>
-              <a:rPr lang="en-IN" dirty="0" smtClean="0"/>
-              <a:t>– Language model</a:t>
-            </a:r>
-            <a:endParaRPr lang="en-IN" dirty="0" smtClean="0"/>
+              <a:t>Predict next word – Language model</a:t>
+            </a:r>
           </a:p>
           <a:p>
             <a:pPr lvl="1"/>
@@ -6397,32 +6155,19 @@
               <a:rPr lang="en-IN" dirty="0" smtClean="0"/>
               <a:t>Use text dataset for predicting next word</a:t>
             </a:r>
-            <a:endParaRPr lang="en-IN" dirty="0" smtClean="0"/>
           </a:p>
           <a:p>
             <a:pPr lvl="1"/>
             <a:r>
               <a:rPr lang="en-IN" dirty="0" smtClean="0"/>
-              <a:t>Generate labelled </a:t>
-            </a:r>
-            <a:r>
-              <a:rPr lang="en-IN" dirty="0" smtClean="0"/>
-              <a:t>dataset </a:t>
+              <a:t>Generate labelled dataset </a:t>
             </a:r>
           </a:p>
           <a:p>
             <a:pPr lvl="1"/>
             <a:r>
               <a:rPr lang="en-IN" dirty="0" smtClean="0"/>
-              <a:t>Train model using </a:t>
-            </a:r>
-            <a:r>
-              <a:rPr lang="en-IN" dirty="0" smtClean="0"/>
-              <a:t>labelled </a:t>
-            </a:r>
-            <a:r>
-              <a:rPr lang="en-IN" dirty="0" smtClean="0"/>
-              <a:t>dataset</a:t>
+              <a:t>Train model using labelled dataset</a:t>
             </a:r>
             <a:endParaRPr lang="en-US" dirty="0" smtClean="0"/>
           </a:p>
@@ -6504,27 +6249,20 @@
           <a:p>
             <a:r>
               <a:rPr lang="en-IN" dirty="0" smtClean="0"/>
-              <a:t>Artificial neural </a:t>
-            </a:r>
-            <a:r>
-              <a:rPr lang="en-IN" dirty="0" smtClean="0"/>
-              <a:t>network – ANN </a:t>
-            </a:r>
-            <a:endParaRPr lang="en-IN" dirty="0" smtClean="0"/>
+              <a:t>Artificial neural network – ANN </a:t>
+            </a:r>
           </a:p>
           <a:p>
             <a:r>
               <a:rPr lang="en-IN" dirty="0" smtClean="0"/>
               <a:t>Decision tree</a:t>
             </a:r>
-            <a:endParaRPr lang="en-IN" dirty="0" smtClean="0"/>
           </a:p>
           <a:p>
             <a:r>
               <a:rPr lang="en-IN" dirty="0" smtClean="0"/>
               <a:t>Support vector machine – SVM</a:t>
             </a:r>
-            <a:endParaRPr lang="en-IN" dirty="0" smtClean="0"/>
           </a:p>
           <a:p>
             <a:endParaRPr lang="en-IN" dirty="0" smtClean="0"/>
@@ -6612,7 +6350,6 @@
               <a:rPr lang="en-IN" dirty="0" smtClean="0"/>
               <a:t>Linear networks </a:t>
             </a:r>
-            <a:endParaRPr lang="en-IN" dirty="0" smtClean="0"/>
           </a:p>
           <a:p>
             <a:pPr lvl="1"/>
@@ -6620,31 +6357,13 @@
               <a:rPr lang="en-IN" dirty="0" smtClean="0"/>
               <a:t>Linear function</a:t>
             </a:r>
-            <a:endParaRPr lang="en-IN" dirty="0" smtClean="0"/>
           </a:p>
           <a:p>
             <a:pPr lvl="1"/>
             <a:r>
               <a:rPr lang="en-IN" dirty="0" smtClean="0"/>
-              <a:t>One </a:t>
-            </a:r>
-            <a:r>
-              <a:rPr lang="en-IN" dirty="0" smtClean="0"/>
-              <a:t>input </a:t>
-            </a:r>
-            <a:r>
-              <a:rPr lang="en-IN" dirty="0" smtClean="0"/>
-              <a:t>and one </a:t>
-            </a:r>
-            <a:r>
-              <a:rPr lang="en-IN" dirty="0" smtClean="0"/>
-              <a:t>output </a:t>
-            </a:r>
-            <a:r>
-              <a:rPr lang="en-IN" dirty="0" smtClean="0"/>
-              <a:t>layer</a:t>
-            </a:r>
-            <a:endParaRPr lang="en-IN" dirty="0" smtClean="0"/>
+              <a:t>One input and one output layer</a:t>
+            </a:r>
           </a:p>
           <a:p>
             <a:r>
@@ -6663,28 +6382,18 @@
               <a:rPr lang="en-IN" dirty="0" smtClean="0"/>
               <a:t>Recurrent neural network</a:t>
             </a:r>
-            <a:endParaRPr lang="en-IN" dirty="0" smtClean="0"/>
-          </a:p>
-          <a:p>
-            <a:r>
-              <a:rPr lang="en-IN" dirty="0" smtClean="0"/>
-              <a:t>Deep </a:t>
-            </a:r>
-            <a:r>
-              <a:rPr lang="en-IN" dirty="0" smtClean="0"/>
-              <a:t>neural networks </a:t>
-            </a:r>
-            <a:endParaRPr lang="en-IN" dirty="0" smtClean="0"/>
+          </a:p>
+          <a:p>
+            <a:r>
+              <a:rPr lang="en-IN" dirty="0" smtClean="0"/>
+              <a:t>Deep neural networks </a:t>
+            </a:r>
           </a:p>
           <a:p>
             <a:pPr lvl="1"/>
             <a:r>
               <a:rPr lang="en-IN" dirty="0" smtClean="0"/>
-              <a:t>More </a:t>
-            </a:r>
-            <a:r>
-              <a:rPr lang="en-IN" dirty="0" smtClean="0"/>
-              <a:t>than one hidden layer</a:t>
+              <a:t>More than one hidden layer</a:t>
             </a:r>
           </a:p>
           <a:p>
@@ -6746,15 +6455,7 @@
           <a:p>
             <a:r>
               <a:rPr lang="en-US" dirty="0" smtClean="0"/>
-              <a:t>Deep </a:t>
-            </a:r>
-            <a:r>
-              <a:rPr lang="en-US" dirty="0" smtClean="0"/>
-              <a:t>Learning </a:t>
-            </a:r>
-            <a:r>
-              <a:rPr lang="en-US" dirty="0" smtClean="0"/>
-              <a:t>– What ? </a:t>
+              <a:t>Deep Learning – What ? </a:t>
             </a:r>
             <a:endParaRPr lang="en-US" dirty="0"/>
           </a:p>
@@ -6781,16 +6482,11 @@
               <a:rPr lang="en-IN" dirty="0" smtClean="0"/>
               <a:t>Input layer </a:t>
             </a:r>
-            <a:endParaRPr lang="en-IN" dirty="0" smtClean="0"/>
-          </a:p>
-          <a:p>
-            <a:r>
-              <a:rPr lang="en-IN" dirty="0" smtClean="0"/>
-              <a:t>Output </a:t>
-            </a:r>
-            <a:r>
-              <a:rPr lang="en-IN" dirty="0" smtClean="0"/>
-              <a:t>layer</a:t>
+          </a:p>
+          <a:p>
+            <a:r>
+              <a:rPr lang="en-IN" dirty="0" smtClean="0"/>
+              <a:t>Output layer</a:t>
             </a:r>
           </a:p>
           <a:p>
@@ -6855,15 +6551,7 @@
           <a:p>
             <a:r>
               <a:rPr lang="en-US" dirty="0" smtClean="0"/>
-              <a:t>Deep </a:t>
-            </a:r>
-            <a:r>
-              <a:rPr lang="en-US" dirty="0" smtClean="0"/>
-              <a:t>Learning </a:t>
-            </a:r>
-            <a:r>
-              <a:rPr lang="en-US" dirty="0" smtClean="0"/>
-              <a:t>– Why ? </a:t>
+              <a:t>Deep Learning – Why ? </a:t>
             </a:r>
             <a:endParaRPr lang="en-US" dirty="0"/>
           </a:p>
@@ -6890,21 +6578,12 @@
               <a:rPr lang="en-IN" dirty="0" smtClean="0"/>
               <a:t>Large amount of data </a:t>
             </a:r>
-            <a:endParaRPr lang="en-IN" dirty="0" smtClean="0"/>
           </a:p>
           <a:p>
             <a:pPr lvl="1"/>
             <a:r>
               <a:rPr lang="en-IN" dirty="0" smtClean="0"/>
-              <a:t>Internet </a:t>
-            </a:r>
-            <a:r>
-              <a:rPr lang="en-IN" dirty="0" smtClean="0"/>
-              <a:t>of Things </a:t>
-            </a:r>
-            <a:r>
-              <a:rPr lang="en-IN" dirty="0" smtClean="0"/>
-              <a:t>– </a:t>
+              <a:t>Internet of Things – </a:t>
             </a:r>
             <a:r>
               <a:rPr lang="en-IN" dirty="0" err="1" smtClean="0"/>
@@ -6917,7 +6596,6 @@
               <a:rPr lang="en-IN" dirty="0" smtClean="0"/>
               <a:t>Faster hardware </a:t>
             </a:r>
-            <a:endParaRPr lang="en-IN" dirty="0" smtClean="0"/>
           </a:p>
           <a:p>
             <a:pPr lvl="1"/>
@@ -6932,14 +6610,12 @@
               <a:rPr lang="en-IN" dirty="0" smtClean="0"/>
               <a:t>TPU</a:t>
             </a:r>
-            <a:endParaRPr lang="en-IN" dirty="0" smtClean="0"/>
           </a:p>
           <a:p>
             <a:r>
               <a:rPr lang="en-IN" dirty="0" smtClean="0"/>
               <a:t>Better algorithms </a:t>
             </a:r>
-            <a:endParaRPr lang="en-IN" dirty="0" smtClean="0"/>
           </a:p>
           <a:p>
             <a:pPr lvl="1"/>
@@ -6956,11 +6632,7 @@
             </a:r>
             <a:r>
               <a:rPr lang="en-IN" dirty="0" smtClean="0"/>
-              <a:t> </a:t>
-            </a:r>
-            <a:r>
-              <a:rPr lang="en-IN" dirty="0" smtClean="0"/>
-              <a:t>activation</a:t>
+              <a:t> activation</a:t>
             </a:r>
             <a:endParaRPr lang="en-US" dirty="0" smtClean="0"/>
           </a:p>
@@ -7011,91 +6683,110 @@
         <p:spPr/>
         <p:txBody>
           <a:bodyPr>
-            <a:normAutofit fontScale="90000"/>
-          </a:bodyPr>
-          <a:lstStyle/>
-          <a:p>
-            <a:r>
-              <a:rPr lang="en-IN" dirty="0" smtClean="0"/>
-              <a:t>Machine Learning v/s Deep Learning</a:t>
-            </a:r>
-            <a:r>
-              <a:rPr lang="en-US" dirty="0" smtClean="0"/>
-              <a:t> </a:t>
-            </a:r>
-            <a:endParaRPr lang="en-US" dirty="0"/>
-          </a:p>
-        </p:txBody>
-      </p:sp>
-      <p:sp>
-        <p:nvSpPr>
-          <p:cNvPr id="3" name="Content Placeholder 2"/>
-          <p:cNvSpPr>
-            <a:spLocks noGrp="1"/>
-          </p:cNvSpPr>
-          <p:nvPr>
-            <p:ph idx="1"/>
-          </p:nvPr>
-        </p:nvSpPr>
-        <p:spPr/>
-        <p:txBody>
-          <a:bodyPr>
             <a:normAutofit/>
           </a:bodyPr>
           <a:lstStyle/>
           <a:p>
             <a:r>
-              <a:rPr lang="en-IN" dirty="0" smtClean="0"/>
-              <a:t>Training time</a:t>
-            </a:r>
-          </a:p>
-          <a:p>
-            <a:r>
-              <a:rPr lang="en-IN" dirty="0" smtClean="0"/>
-              <a:t>Machine learning </a:t>
-            </a:r>
-            <a:endParaRPr lang="en-IN" dirty="0" smtClean="0"/>
-          </a:p>
-          <a:p>
-            <a:pPr lvl="1"/>
-            <a:r>
-              <a:rPr lang="en-IN" dirty="0" smtClean="0"/>
-              <a:t>Less number of parameters</a:t>
-            </a:r>
-          </a:p>
-          <a:p>
-            <a:pPr lvl="1"/>
-            <a:r>
-              <a:rPr lang="en-IN" dirty="0" smtClean="0"/>
-              <a:t>Less time</a:t>
-            </a:r>
-            <a:endParaRPr lang="en-IN" dirty="0" smtClean="0"/>
-          </a:p>
-          <a:p>
-            <a:r>
-              <a:rPr lang="en-IN" dirty="0" smtClean="0"/>
-              <a:t>Deep learning </a:t>
-            </a:r>
-            <a:endParaRPr lang="en-IN" dirty="0" smtClean="0"/>
-          </a:p>
-          <a:p>
-            <a:pPr lvl="1"/>
-            <a:r>
-              <a:rPr lang="en-IN" dirty="0" smtClean="0"/>
-              <a:t>Large number of parameters</a:t>
-            </a:r>
-            <a:endParaRPr lang="en-IN" dirty="0" smtClean="0"/>
-          </a:p>
-          <a:p>
-            <a:pPr lvl="1"/>
-            <a:r>
-              <a:rPr lang="en-IN" dirty="0" smtClean="0"/>
-              <a:t>Large time</a:t>
-            </a:r>
-            <a:endParaRPr lang="en-US" dirty="0" smtClean="0"/>
-          </a:p>
-        </p:txBody>
-      </p:sp>
+              <a:rPr lang="en-US" dirty="0" smtClean="0"/>
+              <a:t>Deep Learning – Why ? </a:t>
+            </a:r>
+            <a:endParaRPr lang="en-US" dirty="0"/>
+          </a:p>
+        </p:txBody>
+      </p:sp>
+      <p:sp>
+        <p:nvSpPr>
+          <p:cNvPr id="5" name="Text Box 10"/>
+          <p:cNvSpPr txBox="1">
+            <a:spLocks noChangeArrowheads="1"/>
+          </p:cNvSpPr>
+          <p:nvPr/>
+        </p:nvSpPr>
+        <p:spPr bwMode="auto">
+          <a:xfrm rot="10800000" flipV="1">
+            <a:off x="0" y="6519446"/>
+            <a:ext cx="1828800" cy="338554"/>
+          </a:xfrm>
+          <a:prstGeom prst="rect">
+            <a:avLst/>
+          </a:prstGeom>
+          <a:noFill/>
+          <a:ln w="9525">
+            <a:noFill/>
+            <a:miter lim="800000"/>
+            <a:headEnd/>
+            <a:tailEnd/>
+          </a:ln>
+          <a:effectLst/>
+        </p:spPr>
+        <p:txBody>
+          <a:bodyPr wrap="square">
+            <a:spAutoFit/>
+          </a:bodyPr>
+          <a:lstStyle/>
+          <a:p>
+            <a:pPr>
+              <a:spcBef>
+                <a:spcPct val="50000"/>
+              </a:spcBef>
+            </a:pPr>
+            <a:r>
+              <a:rPr lang="en-US" sz="1600" b="1" dirty="0">
+                <a:solidFill>
+                  <a:srgbClr val="FF0000"/>
+                </a:solidFill>
+              </a:rPr>
+              <a:t>Image </a:t>
+            </a:r>
+            <a:r>
+              <a:rPr lang="en-US" sz="1600" b="1" dirty="0" err="1" smtClean="0">
+                <a:solidFill>
+                  <a:srgbClr val="FF0000"/>
+                </a:solidFill>
+              </a:rPr>
+              <a:t>ack</a:t>
+            </a:r>
+            <a:r>
+              <a:rPr lang="en-US" sz="1600" b="1" dirty="0" smtClean="0">
+                <a:solidFill>
+                  <a:srgbClr val="FF0000"/>
+                </a:solidFill>
+              </a:rPr>
+              <a:t> – Google</a:t>
+            </a:r>
+            <a:endParaRPr lang="en-US" sz="1600" b="1" dirty="0">
+              <a:solidFill>
+                <a:srgbClr val="FF0000"/>
+              </a:solidFill>
+            </a:endParaRPr>
+          </a:p>
+        </p:txBody>
+      </p:sp>
+      <p:pic>
+        <p:nvPicPr>
+          <p:cNvPr id="6" name="Picture 5" descr="WhyDL.png"/>
+          <p:cNvPicPr>
+            <a:picLocks noChangeAspect="1"/>
+          </p:cNvPicPr>
+          <p:nvPr/>
+        </p:nvPicPr>
+        <p:blipFill>
+          <a:blip r:embed="rId2"/>
+          <a:stretch>
+            <a:fillRect/>
+          </a:stretch>
+        </p:blipFill>
+        <p:spPr>
+          <a:xfrm>
+            <a:off x="1981200" y="1524000"/>
+            <a:ext cx="5229876" cy="4953000"/>
+          </a:xfrm>
+          <a:prstGeom prst="rect">
+            <a:avLst/>
+          </a:prstGeom>
+        </p:spPr>
+      </p:pic>
     </p:spTree>
   </p:cSld>
   <p:clrMapOvr>
@@ -7176,7 +6867,7 @@
           <a:p>
             <a:r>
               <a:rPr lang="en-IN" dirty="0" smtClean="0"/>
-              <a:t>Feature extraction</a:t>
+              <a:t>Training time</a:t>
             </a:r>
           </a:p>
           <a:p>
@@ -7184,29 +6875,19 @@
               <a:rPr lang="en-IN" dirty="0" smtClean="0"/>
               <a:t>Machine learning </a:t>
             </a:r>
-            <a:endParaRPr lang="en-IN" dirty="0" smtClean="0"/>
           </a:p>
           <a:p>
             <a:pPr lvl="1"/>
             <a:r>
               <a:rPr lang="en-IN" dirty="0" smtClean="0"/>
-              <a:t>Domain </a:t>
-            </a:r>
-            <a:r>
-              <a:rPr lang="en-IN" dirty="0" smtClean="0"/>
-              <a:t>expert </a:t>
-            </a:r>
-            <a:endParaRPr lang="en-IN" dirty="0" smtClean="0"/>
+              <a:t>Less number of parameters</a:t>
+            </a:r>
           </a:p>
           <a:p>
             <a:pPr lvl="1"/>
             <a:r>
               <a:rPr lang="en-IN" dirty="0" smtClean="0"/>
-              <a:t>Reduce </a:t>
-            </a:r>
-            <a:r>
-              <a:rPr lang="en-IN" dirty="0" smtClean="0"/>
-              <a:t>data complexity</a:t>
+              <a:t>Less time</a:t>
             </a:r>
           </a:p>
           <a:p>
@@ -7214,30 +6895,21 @@
               <a:rPr lang="en-IN" dirty="0" smtClean="0"/>
               <a:t>Deep learning </a:t>
             </a:r>
-            <a:endParaRPr lang="en-IN" dirty="0" smtClean="0"/>
           </a:p>
           <a:p>
             <a:pPr lvl="1"/>
             <a:r>
               <a:rPr lang="en-IN" dirty="0" smtClean="0"/>
-              <a:t>Learn </a:t>
-            </a:r>
-            <a:r>
-              <a:rPr lang="en-IN" dirty="0" smtClean="0"/>
-              <a:t>high level features </a:t>
-            </a:r>
-            <a:endParaRPr lang="en-IN" dirty="0" smtClean="0"/>
+              <a:t>Large number of parameters</a:t>
+            </a:r>
           </a:p>
           <a:p>
             <a:pPr lvl="1"/>
             <a:r>
               <a:rPr lang="en-IN" dirty="0" smtClean="0"/>
-              <a:t>No </a:t>
-            </a:r>
-            <a:r>
-              <a:rPr lang="en-IN" dirty="0" smtClean="0"/>
-              <a:t>need of domain expert</a:t>
-            </a:r>
+              <a:t>Large time</a:t>
+            </a:r>
+            <a:endParaRPr lang="en-US" dirty="0" smtClean="0"/>
           </a:p>
         </p:txBody>
       </p:sp>
@@ -7321,7 +6993,7 @@
           <a:p>
             <a:r>
               <a:rPr lang="en-IN" dirty="0" smtClean="0"/>
-              <a:t>Interpretability</a:t>
+              <a:t>Feature extraction</a:t>
             </a:r>
           </a:p>
           <a:p>
@@ -7329,17 +7001,19 @@
               <a:rPr lang="en-IN" dirty="0" smtClean="0"/>
               <a:t>Machine learning </a:t>
             </a:r>
-            <a:endParaRPr lang="en-IN" dirty="0" smtClean="0"/>
           </a:p>
           <a:p>
             <a:pPr lvl="1"/>
             <a:r>
               <a:rPr lang="en-IN" dirty="0" smtClean="0"/>
-              <a:t>Inherent </a:t>
-            </a:r>
-            <a:r>
-              <a:rPr lang="en-IN" dirty="0" smtClean="0"/>
-              <a:t>interpretable</a:t>
+              <a:t>Domain expert </a:t>
+            </a:r>
+          </a:p>
+          <a:p>
+            <a:pPr lvl="1"/>
+            <a:r>
+              <a:rPr lang="en-IN" dirty="0" smtClean="0"/>
+              <a:t>Reduce data complexity</a:t>
             </a:r>
           </a:p>
           <a:p>
@@ -7347,29 +7021,19 @@
               <a:rPr lang="en-IN" dirty="0" smtClean="0"/>
               <a:t>Deep learning </a:t>
             </a:r>
-            <a:endParaRPr lang="en-IN" dirty="0" smtClean="0"/>
           </a:p>
           <a:p>
             <a:pPr lvl="1"/>
             <a:r>
               <a:rPr lang="en-IN" dirty="0" smtClean="0"/>
-              <a:t>Black </a:t>
-            </a:r>
-            <a:r>
-              <a:rPr lang="en-IN" dirty="0" smtClean="0"/>
-              <a:t>box </a:t>
-            </a:r>
-            <a:endParaRPr lang="en-IN" dirty="0" smtClean="0"/>
+              <a:t>Learn high level features </a:t>
+            </a:r>
           </a:p>
           <a:p>
             <a:pPr lvl="1"/>
             <a:r>
               <a:rPr lang="en-IN" dirty="0" smtClean="0"/>
-              <a:t>Explainable </a:t>
-            </a:r>
-            <a:r>
-              <a:rPr lang="en-IN" dirty="0" smtClean="0"/>
-              <a:t>AI</a:t>
+              <a:t>No need of domain expert</a:t>
             </a:r>
           </a:p>
         </p:txBody>
@@ -7448,13 +7112,13 @@
         <p:spPr/>
         <p:txBody>
           <a:bodyPr>
-            <a:normAutofit lnSpcReduction="10000"/>
+            <a:normAutofit/>
           </a:bodyPr>
           <a:lstStyle/>
           <a:p>
             <a:r>
               <a:rPr lang="en-IN" dirty="0" smtClean="0"/>
-              <a:t>Accuracy</a:t>
+              <a:t>Interpretability</a:t>
             </a:r>
           </a:p>
           <a:p>
@@ -7462,86 +7126,32 @@
               <a:rPr lang="en-IN" dirty="0" smtClean="0"/>
               <a:t>Machine learning </a:t>
             </a:r>
-            <a:endParaRPr lang="en-IN" dirty="0" smtClean="0"/>
           </a:p>
           <a:p>
             <a:pPr lvl="1"/>
             <a:r>
               <a:rPr lang="en-IN" dirty="0" smtClean="0"/>
-              <a:t>Less </a:t>
-            </a:r>
-            <a:r>
-              <a:rPr lang="en-IN" dirty="0" smtClean="0"/>
-              <a:t>parameters </a:t>
-            </a:r>
-            <a:endParaRPr lang="en-IN" dirty="0" smtClean="0"/>
+              <a:t>Inherent interpretable</a:t>
+            </a:r>
+          </a:p>
+          <a:p>
+            <a:r>
+              <a:rPr lang="en-IN" dirty="0" smtClean="0"/>
+              <a:t>Deep learning </a:t>
+            </a:r>
           </a:p>
           <a:p>
             <a:pPr lvl="1"/>
             <a:r>
               <a:rPr lang="en-IN" dirty="0" smtClean="0"/>
-              <a:t>Less </a:t>
-            </a:r>
-            <a:r>
-              <a:rPr lang="en-IN" dirty="0" smtClean="0"/>
-              <a:t>complexity </a:t>
-            </a:r>
-            <a:endParaRPr lang="en-IN" dirty="0" smtClean="0"/>
+              <a:t>Black box </a:t>
+            </a:r>
           </a:p>
           <a:p>
             <a:pPr lvl="1"/>
             <a:r>
               <a:rPr lang="en-IN" dirty="0" smtClean="0"/>
-              <a:t>Less </a:t>
-            </a:r>
-            <a:r>
-              <a:rPr lang="en-IN" dirty="0" smtClean="0"/>
-              <a:t>accuracy for large datasets</a:t>
-            </a:r>
-          </a:p>
-          <a:p>
-            <a:r>
-              <a:rPr lang="en-IN" dirty="0" smtClean="0"/>
-              <a:t>Deep learning </a:t>
-            </a:r>
-            <a:endParaRPr lang="en-IN" dirty="0" smtClean="0"/>
-          </a:p>
-          <a:p>
-            <a:pPr lvl="1"/>
-            <a:r>
-              <a:rPr lang="en-IN" dirty="0" smtClean="0"/>
-              <a:t>More </a:t>
-            </a:r>
-            <a:r>
-              <a:rPr lang="en-IN" dirty="0" smtClean="0"/>
-              <a:t>layers </a:t>
-            </a:r>
-            <a:r>
-              <a:rPr lang="en-IN" dirty="0" smtClean="0"/>
-              <a:t>– More parameters </a:t>
-            </a:r>
-          </a:p>
-          <a:p>
-            <a:pPr lvl="1"/>
-            <a:r>
-              <a:rPr lang="en-IN" dirty="0" smtClean="0"/>
-              <a:t>More </a:t>
-            </a:r>
-            <a:r>
-              <a:rPr lang="en-IN" dirty="0" smtClean="0"/>
-              <a:t>complexity </a:t>
-            </a:r>
-            <a:endParaRPr lang="en-IN" dirty="0" smtClean="0"/>
-          </a:p>
-          <a:p>
-            <a:pPr lvl="1"/>
-            <a:r>
-              <a:rPr lang="en-IN" dirty="0" smtClean="0"/>
-              <a:t>More </a:t>
-            </a:r>
-            <a:r>
-              <a:rPr lang="en-IN" dirty="0" smtClean="0"/>
-              <a:t>accuracy for large datasets</a:t>
+              <a:t>Explainable AI</a:t>
             </a:r>
           </a:p>
         </p:txBody>
@@ -7591,13 +7201,17 @@
         <p:spPr/>
         <p:txBody>
           <a:bodyPr>
-            <a:normAutofit/>
+            <a:normAutofit fontScale="90000"/>
           </a:bodyPr>
           <a:lstStyle/>
           <a:p>
             <a:r>
               <a:rPr lang="en-IN" dirty="0" smtClean="0"/>
-              <a:t>ANN v/s DNN</a:t>
+              <a:t>Machine Learning v/s Deep Learning</a:t>
+            </a:r>
+            <a:r>
+              <a:rPr lang="en-US" dirty="0" smtClean="0"/>
+              <a:t> </a:t>
             </a:r>
             <a:endParaRPr lang="en-US" dirty="0"/>
           </a:p>
@@ -7616,43 +7230,67 @@
         <p:spPr/>
         <p:txBody>
           <a:bodyPr>
-            <a:normAutofit/>
+            <a:normAutofit lnSpcReduction="10000"/>
           </a:bodyPr>
           <a:lstStyle/>
           <a:p>
             <a:r>
               <a:rPr lang="en-IN" dirty="0" smtClean="0"/>
-              <a:t>Artificial Neural Network </a:t>
-            </a:r>
-            <a:endParaRPr lang="en-IN" dirty="0" smtClean="0"/>
+              <a:t>Accuracy</a:t>
+            </a:r>
+          </a:p>
+          <a:p>
+            <a:r>
+              <a:rPr lang="en-IN" dirty="0" smtClean="0"/>
+              <a:t>Machine learning </a:t>
+            </a:r>
           </a:p>
           <a:p>
             <a:pPr lvl="1"/>
             <a:r>
               <a:rPr lang="en-IN" dirty="0" smtClean="0"/>
-              <a:t>One </a:t>
-            </a:r>
-            <a:r>
-              <a:rPr lang="en-IN" dirty="0" smtClean="0"/>
-              <a:t>hidden layer</a:t>
-            </a:r>
-          </a:p>
-          <a:p>
-            <a:r>
-              <a:rPr lang="en-IN" dirty="0" smtClean="0"/>
-              <a:t>Deep Neural Network </a:t>
-            </a:r>
-            <a:endParaRPr lang="en-IN" dirty="0" smtClean="0"/>
+              <a:t>Less parameters </a:t>
+            </a:r>
           </a:p>
           <a:p>
             <a:pPr lvl="1"/>
             <a:r>
               <a:rPr lang="en-IN" dirty="0" smtClean="0"/>
-              <a:t>More </a:t>
-            </a:r>
-            <a:r>
-              <a:rPr lang="en-IN" dirty="0" smtClean="0"/>
-              <a:t>than one hidden layer</a:t>
+              <a:t>Less complexity </a:t>
+            </a:r>
+          </a:p>
+          <a:p>
+            <a:pPr lvl="1"/>
+            <a:r>
+              <a:rPr lang="en-IN" dirty="0" smtClean="0"/>
+              <a:t>Less accuracy for large datasets</a:t>
+            </a:r>
+          </a:p>
+          <a:p>
+            <a:r>
+              <a:rPr lang="en-IN" dirty="0" smtClean="0"/>
+              <a:t>Deep learning </a:t>
+            </a:r>
+          </a:p>
+          <a:p>
+            <a:pPr lvl="1"/>
+            <a:r>
+              <a:rPr lang="en-IN" dirty="0" smtClean="0"/>
+              <a:t>More layers – More parameters </a:t>
+            </a:r>
+          </a:p>
+          <a:p>
+            <a:pPr lvl="1"/>
+            <a:r>
+              <a:rPr lang="en-IN" dirty="0" smtClean="0"/>
+              <a:t>More complexity </a:t>
+            </a:r>
+          </a:p>
+          <a:p>
+            <a:pPr lvl="1"/>
+            <a:r>
+              <a:rPr lang="en-IN" dirty="0" smtClean="0"/>
+              <a:t>More accuracy for large datasets</a:t>
             </a:r>
           </a:p>
         </p:txBody>
@@ -7831,6 +7469,256 @@
             <a:spLocks noGrp="1"/>
           </p:cNvSpPr>
           <p:nvPr>
+            <p:ph type="title"/>
+          </p:nvPr>
+        </p:nvSpPr>
+        <p:spPr/>
+        <p:txBody>
+          <a:bodyPr>
+            <a:normAutofit/>
+          </a:bodyPr>
+          <a:lstStyle/>
+          <a:p>
+            <a:r>
+              <a:rPr lang="en-US" dirty="0" smtClean="0"/>
+              <a:t>AI v/s ML v/s DL</a:t>
+            </a:r>
+            <a:endParaRPr lang="en-US" dirty="0"/>
+          </a:p>
+        </p:txBody>
+      </p:sp>
+      <p:pic>
+        <p:nvPicPr>
+          <p:cNvPr id="5" name="Picture 4" descr="AI-ML-DL.png"/>
+          <p:cNvPicPr>
+            <a:picLocks noChangeAspect="1"/>
+          </p:cNvPicPr>
+          <p:nvPr/>
+        </p:nvPicPr>
+        <p:blipFill>
+          <a:blip r:embed="rId2"/>
+          <a:stretch>
+            <a:fillRect/>
+          </a:stretch>
+        </p:blipFill>
+        <p:spPr>
+          <a:xfrm>
+            <a:off x="1676400" y="1371600"/>
+            <a:ext cx="5709114" cy="5257800"/>
+          </a:xfrm>
+          <a:prstGeom prst="rect">
+            <a:avLst/>
+          </a:prstGeom>
+        </p:spPr>
+      </p:pic>
+      <p:sp>
+        <p:nvSpPr>
+          <p:cNvPr id="6" name="Text Box 10"/>
+          <p:cNvSpPr txBox="1">
+            <a:spLocks noChangeArrowheads="1"/>
+          </p:cNvSpPr>
+          <p:nvPr/>
+        </p:nvSpPr>
+        <p:spPr bwMode="auto">
+          <a:xfrm rot="10800000" flipV="1">
+            <a:off x="0" y="6519446"/>
+            <a:ext cx="1828800" cy="338554"/>
+          </a:xfrm>
+          <a:prstGeom prst="rect">
+            <a:avLst/>
+          </a:prstGeom>
+          <a:noFill/>
+          <a:ln w="9525">
+            <a:noFill/>
+            <a:miter lim="800000"/>
+            <a:headEnd/>
+            <a:tailEnd/>
+          </a:ln>
+          <a:effectLst/>
+        </p:spPr>
+        <p:txBody>
+          <a:bodyPr wrap="square">
+            <a:spAutoFit/>
+          </a:bodyPr>
+          <a:lstStyle/>
+          <a:p>
+            <a:pPr>
+              <a:spcBef>
+                <a:spcPct val="50000"/>
+              </a:spcBef>
+            </a:pPr>
+            <a:r>
+              <a:rPr lang="en-US" sz="1600" b="1" dirty="0">
+                <a:solidFill>
+                  <a:srgbClr val="FF0000"/>
+                </a:solidFill>
+              </a:rPr>
+              <a:t>Image </a:t>
+            </a:r>
+            <a:r>
+              <a:rPr lang="en-US" sz="1600" b="1" dirty="0" err="1" smtClean="0">
+                <a:solidFill>
+                  <a:srgbClr val="FF0000"/>
+                </a:solidFill>
+              </a:rPr>
+              <a:t>ack</a:t>
+            </a:r>
+            <a:r>
+              <a:rPr lang="en-US" sz="1600" b="1" dirty="0" smtClean="0">
+                <a:solidFill>
+                  <a:srgbClr val="FF0000"/>
+                </a:solidFill>
+              </a:rPr>
+              <a:t> – Google</a:t>
+            </a:r>
+            <a:endParaRPr lang="en-US" sz="1600" b="1" dirty="0">
+              <a:solidFill>
+                <a:srgbClr val="FF0000"/>
+              </a:solidFill>
+            </a:endParaRPr>
+          </a:p>
+        </p:txBody>
+      </p:sp>
+    </p:spTree>
+  </p:cSld>
+  <p:clrMapOvr>
+    <a:masterClrMapping/>
+  </p:clrMapOvr>
+  <p:timing>
+    <p:tnLst>
+      <p:par>
+        <p:cTn id="1" dur="indefinite" restart="never" nodeType="tmRoot"/>
+      </p:par>
+    </p:tnLst>
+  </p:timing>
+</p:sld>
+</file>
+
+<file path=ppt/slides/slide41.xml><?xml version="1.0" encoding="utf-8"?>
+<p:sld xmlns:a="http://schemas.openxmlformats.org/drawingml/2006/main" xmlns:r="http://schemas.openxmlformats.org/officeDocument/2006/relationships" xmlns:p="http://schemas.openxmlformats.org/presentationml/2006/main">
+  <p:cSld>
+    <p:spTree>
+      <p:nvGrpSpPr>
+        <p:cNvPr id="1" name=""/>
+        <p:cNvGrpSpPr/>
+        <p:nvPr/>
+      </p:nvGrpSpPr>
+      <p:grpSpPr>
+        <a:xfrm>
+          <a:off x="0" y="0"/>
+          <a:ext cx="0" cy="0"/>
+          <a:chOff x="0" y="0"/>
+          <a:chExt cx="0" cy="0"/>
+        </a:xfrm>
+      </p:grpSpPr>
+      <p:sp>
+        <p:nvSpPr>
+          <p:cNvPr id="2" name="Title 1"/>
+          <p:cNvSpPr>
+            <a:spLocks noGrp="1"/>
+          </p:cNvSpPr>
+          <p:nvPr>
+            <p:ph type="title"/>
+          </p:nvPr>
+        </p:nvSpPr>
+        <p:spPr/>
+        <p:txBody>
+          <a:bodyPr>
+            <a:normAutofit/>
+          </a:bodyPr>
+          <a:lstStyle/>
+          <a:p>
+            <a:r>
+              <a:rPr lang="en-IN" dirty="0" smtClean="0"/>
+              <a:t>ANN v/s DNN</a:t>
+            </a:r>
+            <a:endParaRPr lang="en-US" dirty="0"/>
+          </a:p>
+        </p:txBody>
+      </p:sp>
+      <p:sp>
+        <p:nvSpPr>
+          <p:cNvPr id="3" name="Content Placeholder 2"/>
+          <p:cNvSpPr>
+            <a:spLocks noGrp="1"/>
+          </p:cNvSpPr>
+          <p:nvPr>
+            <p:ph idx="1"/>
+          </p:nvPr>
+        </p:nvSpPr>
+        <p:spPr/>
+        <p:txBody>
+          <a:bodyPr>
+            <a:normAutofit/>
+          </a:bodyPr>
+          <a:lstStyle/>
+          <a:p>
+            <a:r>
+              <a:rPr lang="en-IN" dirty="0" smtClean="0"/>
+              <a:t>Artificial Neural Network </a:t>
+            </a:r>
+          </a:p>
+          <a:p>
+            <a:pPr lvl="1"/>
+            <a:r>
+              <a:rPr lang="en-IN" dirty="0" smtClean="0"/>
+              <a:t>One hidden layer</a:t>
+            </a:r>
+          </a:p>
+          <a:p>
+            <a:r>
+              <a:rPr lang="en-IN" dirty="0" smtClean="0"/>
+              <a:t>Deep Neural Network </a:t>
+            </a:r>
+          </a:p>
+          <a:p>
+            <a:pPr lvl="1"/>
+            <a:r>
+              <a:rPr lang="en-IN" dirty="0" smtClean="0"/>
+              <a:t>More than one hidden layer</a:t>
+            </a:r>
+          </a:p>
+        </p:txBody>
+      </p:sp>
+    </p:spTree>
+  </p:cSld>
+  <p:clrMapOvr>
+    <a:masterClrMapping/>
+  </p:clrMapOvr>
+  <p:timing>
+    <p:tnLst>
+      <p:par>
+        <p:cTn id="1" dur="indefinite" restart="never" nodeType="tmRoot"/>
+      </p:par>
+    </p:tnLst>
+  </p:timing>
+</p:sld>
+</file>
+
+<file path=ppt/slides/slide42.xml><?xml version="1.0" encoding="utf-8"?>
+<p:sld xmlns:a="http://schemas.openxmlformats.org/drawingml/2006/main" xmlns:r="http://schemas.openxmlformats.org/officeDocument/2006/relationships" xmlns:p="http://schemas.openxmlformats.org/presentationml/2006/main">
+  <p:cSld>
+    <p:spTree>
+      <p:nvGrpSpPr>
+        <p:cNvPr id="1" name=""/>
+        <p:cNvGrpSpPr/>
+        <p:nvPr/>
+      </p:nvGrpSpPr>
+      <p:grpSpPr>
+        <a:xfrm>
+          <a:off x="0" y="0"/>
+          <a:ext cx="0" cy="0"/>
+          <a:chOff x="0" y="0"/>
+          <a:chExt cx="0" cy="0"/>
+        </a:xfrm>
+      </p:grpSpPr>
+      <p:sp>
+        <p:nvSpPr>
+          <p:cNvPr id="2" name="Title 1"/>
+          <p:cNvSpPr>
+            <a:spLocks noGrp="1"/>
+          </p:cNvSpPr>
+          <p:nvPr>
             <p:ph type="ctrTitle"/>
           </p:nvPr>
         </p:nvSpPr>
@@ -7946,20 +7834,14 @@
           <a:p>
             <a:r>
               <a:rPr lang="en-IN" dirty="0" smtClean="0"/>
-              <a:t>Solve one specific </a:t>
-            </a:r>
-            <a:r>
-              <a:rPr lang="en-IN" dirty="0" smtClean="0"/>
-              <a:t>problem</a:t>
-            </a:r>
-            <a:endParaRPr lang="en-IN" dirty="0" smtClean="0"/>
+              <a:t>Solve one specific problem</a:t>
+            </a:r>
           </a:p>
           <a:p>
             <a:r>
               <a:rPr lang="en-IN" dirty="0" smtClean="0"/>
               <a:t>Narrow capabilities </a:t>
             </a:r>
-            <a:endParaRPr lang="en-IN" dirty="0" smtClean="0"/>
           </a:p>
           <a:p>
             <a:r>
@@ -8027,11 +7909,7 @@
           <a:p>
             <a:r>
               <a:rPr lang="en-US" dirty="0" smtClean="0"/>
-              <a:t>Artificial Narrow </a:t>
-            </a:r>
-            <a:r>
-              <a:rPr lang="en-US" dirty="0" smtClean="0"/>
-              <a:t>Intelligence  </a:t>
+              <a:t>Artificial Narrow Intelligence  </a:t>
             </a:r>
             <a:endParaRPr lang="en-US" dirty="0"/>
           </a:p>
@@ -8056,11 +7934,7 @@
           <a:p>
             <a:r>
               <a:rPr lang="en-IN" dirty="0" smtClean="0"/>
-              <a:t>Digital voice assistants </a:t>
-            </a:r>
-            <a:r>
-              <a:rPr lang="en-IN" dirty="0" smtClean="0"/>
-              <a:t>– </a:t>
+              <a:t>Digital voice assistants – </a:t>
             </a:r>
             <a:r>
               <a:rPr lang="en-IN" dirty="0" err="1" smtClean="0"/>
@@ -8079,21 +7953,13 @@
           <a:p>
             <a:r>
               <a:rPr lang="en-IN" dirty="0" smtClean="0"/>
-              <a:t>Recommendation </a:t>
-            </a:r>
-            <a:r>
-              <a:rPr lang="en-IN" dirty="0" smtClean="0"/>
-              <a:t>engines</a:t>
-            </a:r>
-          </a:p>
-          <a:p>
-            <a:r>
-              <a:rPr lang="en-IN" dirty="0" smtClean="0"/>
-              <a:t>Search </a:t>
-            </a:r>
-            <a:r>
-              <a:rPr lang="en-IN" dirty="0" smtClean="0"/>
-              <a:t>engines</a:t>
+              <a:t>Recommendation engines</a:t>
+            </a:r>
+          </a:p>
+          <a:p>
+            <a:r>
+              <a:rPr lang="en-IN" dirty="0" smtClean="0"/>
+              <a:t>Search engines</a:t>
             </a:r>
           </a:p>
           <a:p>
@@ -8105,21 +7971,13 @@
           <a:p>
             <a:r>
               <a:rPr lang="en-IN" dirty="0" smtClean="0"/>
-              <a:t>Image and speech </a:t>
-            </a:r>
-            <a:r>
-              <a:rPr lang="en-IN" dirty="0" smtClean="0"/>
-              <a:t>recognition</a:t>
-            </a:r>
-          </a:p>
-          <a:p>
-            <a:r>
-              <a:rPr lang="en-IN" dirty="0" smtClean="0"/>
-              <a:t>Predictive </a:t>
-            </a:r>
-            <a:r>
-              <a:rPr lang="en-IN" dirty="0" smtClean="0"/>
-              <a:t>maintenance</a:t>
+              <a:t>Image and speech recognition</a:t>
+            </a:r>
+          </a:p>
+          <a:p>
+            <a:r>
+              <a:rPr lang="en-IN" dirty="0" smtClean="0"/>
+              <a:t>Predictive maintenance</a:t>
             </a:r>
             <a:endParaRPr lang="en-US" dirty="0" smtClean="0"/>
           </a:p>
@@ -8211,26 +8069,13 @@
           <a:p>
             <a:r>
               <a:rPr lang="en-IN" dirty="0" smtClean="0"/>
-              <a:t>Do </a:t>
-            </a:r>
-            <a:r>
-              <a:rPr lang="en-IN" dirty="0" smtClean="0"/>
-              <a:t>anything a human can </a:t>
-            </a:r>
-            <a:r>
-              <a:rPr lang="en-IN" dirty="0" smtClean="0"/>
-              <a:t>do</a:t>
-            </a:r>
-            <a:endParaRPr lang="en-IN" dirty="0" smtClean="0"/>
-          </a:p>
-          <a:p>
-            <a:r>
-              <a:rPr lang="en-IN" dirty="0" smtClean="0"/>
-              <a:t>Collection of many </a:t>
-            </a:r>
-            <a:r>
-              <a:rPr lang="en-IN" dirty="0" smtClean="0"/>
-              <a:t>ANI systems</a:t>
+              <a:t>Do anything a human can do</a:t>
+            </a:r>
+          </a:p>
+          <a:p>
+            <a:r>
+              <a:rPr lang="en-IN" dirty="0" smtClean="0"/>
+              <a:t>Collection of many ANI systems</a:t>
             </a:r>
             <a:endParaRPr lang="en-US" dirty="0" smtClean="0"/>
           </a:p>
@@ -8323,11 +8168,7 @@
           <a:p>
             <a:r>
               <a:rPr lang="en-IN" dirty="0" smtClean="0"/>
-              <a:t>Surpass </a:t>
-            </a:r>
-            <a:r>
-              <a:rPr lang="en-IN" dirty="0" smtClean="0"/>
-              <a:t>all human capabilities</a:t>
+              <a:t>Surpass all human capabilities</a:t>
             </a:r>
           </a:p>
           <a:p>
@@ -8349,15 +8190,7 @@
                   <a:srgbClr val="00B050"/>
                 </a:solidFill>
               </a:rPr>
-              <a:t>A nanosecond from AGI to </a:t>
-            </a:r>
-            <a:r>
-              <a:rPr lang="en-IN" dirty="0" smtClean="0">
-                <a:solidFill>
-                  <a:srgbClr val="00B050"/>
-                </a:solidFill>
-              </a:rPr>
-              <a:t>ASI</a:t>
+              <a:t>A nanosecond from AGI to ASI</a:t>
             </a:r>
             <a:endParaRPr lang="en-US" dirty="0" smtClean="0">
               <a:solidFill>

--- a/ArtificialIntelligence/ArtificialIntelligence.pptx
+++ b/ArtificialIntelligence/ArtificialIntelligence.pptx
@@ -234,7 +234,7 @@
             <a:fld id="{98BFDCCA-FFB9-49F6-B56E-F6432283D67C}" type="datetimeFigureOut">
               <a:rPr lang="en-US" smtClean="0"/>
               <a:pPr/>
-              <a:t>1/2/2023</a:t>
+              <a:t>1/19/2023</a:t>
             </a:fld>
             <a:endParaRPr lang="en-US"/>
           </a:p>
@@ -682,7 +682,7 @@
             <a:fld id="{9099FEDA-6AC3-495C-A467-2B0399D71BB7}" type="datetimeFigureOut">
               <a:rPr lang="en-US" smtClean="0"/>
               <a:pPr/>
-              <a:t>1/2/2023</a:t>
+              <a:t>1/19/2023</a:t>
             </a:fld>
             <a:endParaRPr lang="en-US"/>
           </a:p>
@@ -849,7 +849,7 @@
             <a:fld id="{9099FEDA-6AC3-495C-A467-2B0399D71BB7}" type="datetimeFigureOut">
               <a:rPr lang="en-US" smtClean="0"/>
               <a:pPr/>
-              <a:t>1/2/2023</a:t>
+              <a:t>1/19/2023</a:t>
             </a:fld>
             <a:endParaRPr lang="en-US"/>
           </a:p>
@@ -1026,7 +1026,7 @@
             <a:fld id="{9099FEDA-6AC3-495C-A467-2B0399D71BB7}" type="datetimeFigureOut">
               <a:rPr lang="en-US" smtClean="0"/>
               <a:pPr/>
-              <a:t>1/2/2023</a:t>
+              <a:t>1/19/2023</a:t>
             </a:fld>
             <a:endParaRPr lang="en-US"/>
           </a:p>
@@ -1193,7 +1193,7 @@
             <a:fld id="{9099FEDA-6AC3-495C-A467-2B0399D71BB7}" type="datetimeFigureOut">
               <a:rPr lang="en-US" smtClean="0"/>
               <a:pPr/>
-              <a:t>1/2/2023</a:t>
+              <a:t>1/19/2023</a:t>
             </a:fld>
             <a:endParaRPr lang="en-US"/>
           </a:p>
@@ -1436,7 +1436,7 @@
             <a:fld id="{9099FEDA-6AC3-495C-A467-2B0399D71BB7}" type="datetimeFigureOut">
               <a:rPr lang="en-US" smtClean="0"/>
               <a:pPr/>
-              <a:t>1/2/2023</a:t>
+              <a:t>1/19/2023</a:t>
             </a:fld>
             <a:endParaRPr lang="en-US"/>
           </a:p>
@@ -1721,7 +1721,7 @@
             <a:fld id="{9099FEDA-6AC3-495C-A467-2B0399D71BB7}" type="datetimeFigureOut">
               <a:rPr lang="en-US" smtClean="0"/>
               <a:pPr/>
-              <a:t>1/2/2023</a:t>
+              <a:t>1/19/2023</a:t>
             </a:fld>
             <a:endParaRPr lang="en-US"/>
           </a:p>
@@ -2140,7 +2140,7 @@
             <a:fld id="{9099FEDA-6AC3-495C-A467-2B0399D71BB7}" type="datetimeFigureOut">
               <a:rPr lang="en-US" smtClean="0"/>
               <a:pPr/>
-              <a:t>1/2/2023</a:t>
+              <a:t>1/19/2023</a:t>
             </a:fld>
             <a:endParaRPr lang="en-US"/>
           </a:p>
@@ -2255,7 +2255,7 @@
             <a:fld id="{9099FEDA-6AC3-495C-A467-2B0399D71BB7}" type="datetimeFigureOut">
               <a:rPr lang="en-US" smtClean="0"/>
               <a:pPr/>
-              <a:t>1/2/2023</a:t>
+              <a:t>1/19/2023</a:t>
             </a:fld>
             <a:endParaRPr lang="en-US"/>
           </a:p>
@@ -2347,7 +2347,7 @@
             <a:fld id="{9099FEDA-6AC3-495C-A467-2B0399D71BB7}" type="datetimeFigureOut">
               <a:rPr lang="en-US" smtClean="0"/>
               <a:pPr/>
-              <a:t>1/2/2023</a:t>
+              <a:t>1/19/2023</a:t>
             </a:fld>
             <a:endParaRPr lang="en-US"/>
           </a:p>
@@ -2621,7 +2621,7 @@
             <a:fld id="{9099FEDA-6AC3-495C-A467-2B0399D71BB7}" type="datetimeFigureOut">
               <a:rPr lang="en-US" smtClean="0"/>
               <a:pPr/>
-              <a:t>1/2/2023</a:t>
+              <a:t>1/19/2023</a:t>
             </a:fld>
             <a:endParaRPr lang="en-US"/>
           </a:p>
@@ -2871,7 +2871,7 @@
             <a:fld id="{9099FEDA-6AC3-495C-A467-2B0399D71BB7}" type="datetimeFigureOut">
               <a:rPr lang="en-US" smtClean="0"/>
               <a:pPr/>
-              <a:t>1/2/2023</a:t>
+              <a:t>1/19/2023</a:t>
             </a:fld>
             <a:endParaRPr lang="en-US"/>
           </a:p>
@@ -3081,7 +3081,7 @@
             <a:fld id="{9099FEDA-6AC3-495C-A467-2B0399D71BB7}" type="datetimeFigureOut">
               <a:rPr lang="en-US" smtClean="0"/>
               <a:pPr/>
-              <a:t>1/2/2023</a:t>
+              <a:t>1/19/2023</a:t>
             </a:fld>
             <a:endParaRPr lang="en-US"/>
           </a:p>
@@ -3492,18 +3492,30 @@
           </a:xfrm>
         </p:spPr>
         <p:txBody>
-          <a:bodyPr/>
-          <a:lstStyle/>
-          <a:p>
-            <a:r>
-              <a:rPr lang="en-US" dirty="0" smtClean="0"/>
-              <a:t>Computer Division</a:t>
-            </a:r>
-          </a:p>
-          <a:p>
-            <a:r>
-              <a:rPr lang="en-US" dirty="0" smtClean="0"/>
-              <a:t>Bhabha Atomic Research Centre</a:t>
+          <a:bodyPr>
+            <a:normAutofit fontScale="92500"/>
+          </a:bodyPr>
+          <a:lstStyle/>
+          <a:p>
+            <a:r>
+              <a:rPr lang="en-US" dirty="0" smtClean="0"/>
+              <a:t>Pritam Prakash Shete</a:t>
+            </a:r>
+          </a:p>
+          <a:p>
+            <a:r>
+              <a:rPr lang="en-US" dirty="0" smtClean="0"/>
+              <a:t>Computer Division, BARC </a:t>
+            </a:r>
+          </a:p>
+          <a:p>
+            <a:r>
+              <a:rPr lang="en-IN" dirty="0" smtClean="0"/>
+              <a:t>Centre for Excellence in Basic </a:t>
+            </a:r>
+            <a:r>
+              <a:rPr lang="en-IN" dirty="0" smtClean="0"/>
+              <a:t>Sciences</a:t>
             </a:r>
             <a:endParaRPr lang="en-US" dirty="0"/>
           </a:p>

--- a/ArtificialIntelligence/ArtificialIntelligence.pptx
+++ b/ArtificialIntelligence/ArtificialIntelligence.pptx
@@ -52,7 +52,7 @@
     <p:sldId id="269" r:id="rId43"/>
   </p:sldIdLst>
   <p:sldSz cx="9144000" cy="6858000" type="screen4x3"/>
-  <p:notesSz cx="6858000" cy="9144000"/>
+  <p:notesSz cx="9144000" cy="6858000"/>
   <p:defaultTextStyle>
     <a:defPPr>
       <a:defRPr lang="en-US"/>
@@ -186,7 +186,7 @@
         <p:spPr>
           <a:xfrm>
             <a:off x="0" y="0"/>
-            <a:ext cx="2971800" cy="457200"/>
+            <a:ext cx="3962400" cy="342900"/>
           </a:xfrm>
           <a:prstGeom prst="rect">
             <a:avLst/>
@@ -216,8 +216,8 @@
         </p:nvSpPr>
         <p:spPr>
           <a:xfrm>
-            <a:off x="3884613" y="0"/>
-            <a:ext cx="2971800" cy="457200"/>
+            <a:off x="5179484" y="0"/>
+            <a:ext cx="3962400" cy="342900"/>
           </a:xfrm>
           <a:prstGeom prst="rect">
             <a:avLst/>
@@ -234,7 +234,7 @@
             <a:fld id="{98BFDCCA-FFB9-49F6-B56E-F6432283D67C}" type="datetimeFigureOut">
               <a:rPr lang="en-US" smtClean="0"/>
               <a:pPr/>
-              <a:t>1/19/2023</a:t>
+              <a:t>1/24/2023</a:t>
             </a:fld>
             <a:endParaRPr lang="en-US"/>
           </a:p>
@@ -252,8 +252,8 @@
         </p:nvSpPr>
         <p:spPr>
           <a:xfrm>
-            <a:off x="1143000" y="685800"/>
-            <a:ext cx="4572000" cy="3429000"/>
+            <a:off x="2857500" y="514350"/>
+            <a:ext cx="3429000" cy="2571750"/>
           </a:xfrm>
           <a:prstGeom prst="rect">
             <a:avLst/>
@@ -285,8 +285,8 @@
         </p:nvSpPr>
         <p:spPr>
           <a:xfrm>
-            <a:off x="685800" y="4343400"/>
-            <a:ext cx="5486400" cy="4114800"/>
+            <a:off x="914400" y="3257550"/>
+            <a:ext cx="7315200" cy="3086100"/>
           </a:xfrm>
           <a:prstGeom prst="rect">
             <a:avLst/>
@@ -347,8 +347,8 @@
         </p:nvSpPr>
         <p:spPr>
           <a:xfrm>
-            <a:off x="0" y="8685213"/>
-            <a:ext cx="2971800" cy="457200"/>
+            <a:off x="0" y="6513910"/>
+            <a:ext cx="3962400" cy="342900"/>
           </a:xfrm>
           <a:prstGeom prst="rect">
             <a:avLst/>
@@ -378,8 +378,8 @@
         </p:nvSpPr>
         <p:spPr>
           <a:xfrm>
-            <a:off x="3884613" y="8685213"/>
-            <a:ext cx="2971800" cy="457200"/>
+            <a:off x="5179484" y="6513910"/>
+            <a:ext cx="3962400" cy="342900"/>
           </a:xfrm>
           <a:prstGeom prst="rect">
             <a:avLst/>
@@ -682,7 +682,7 @@
             <a:fld id="{9099FEDA-6AC3-495C-A467-2B0399D71BB7}" type="datetimeFigureOut">
               <a:rPr lang="en-US" smtClean="0"/>
               <a:pPr/>
-              <a:t>1/19/2023</a:t>
+              <a:t>1/24/2023</a:t>
             </a:fld>
             <a:endParaRPr lang="en-US"/>
           </a:p>
@@ -849,7 +849,7 @@
             <a:fld id="{9099FEDA-6AC3-495C-A467-2B0399D71BB7}" type="datetimeFigureOut">
               <a:rPr lang="en-US" smtClean="0"/>
               <a:pPr/>
-              <a:t>1/19/2023</a:t>
+              <a:t>1/24/2023</a:t>
             </a:fld>
             <a:endParaRPr lang="en-US"/>
           </a:p>
@@ -1026,7 +1026,7 @@
             <a:fld id="{9099FEDA-6AC3-495C-A467-2B0399D71BB7}" type="datetimeFigureOut">
               <a:rPr lang="en-US" smtClean="0"/>
               <a:pPr/>
-              <a:t>1/19/2023</a:t>
+              <a:t>1/24/2023</a:t>
             </a:fld>
             <a:endParaRPr lang="en-US"/>
           </a:p>
@@ -1193,7 +1193,7 @@
             <a:fld id="{9099FEDA-6AC3-495C-A467-2B0399D71BB7}" type="datetimeFigureOut">
               <a:rPr lang="en-US" smtClean="0"/>
               <a:pPr/>
-              <a:t>1/19/2023</a:t>
+              <a:t>1/24/2023</a:t>
             </a:fld>
             <a:endParaRPr lang="en-US"/>
           </a:p>
@@ -1436,7 +1436,7 @@
             <a:fld id="{9099FEDA-6AC3-495C-A467-2B0399D71BB7}" type="datetimeFigureOut">
               <a:rPr lang="en-US" smtClean="0"/>
               <a:pPr/>
-              <a:t>1/19/2023</a:t>
+              <a:t>1/24/2023</a:t>
             </a:fld>
             <a:endParaRPr lang="en-US"/>
           </a:p>
@@ -1721,7 +1721,7 @@
             <a:fld id="{9099FEDA-6AC3-495C-A467-2B0399D71BB7}" type="datetimeFigureOut">
               <a:rPr lang="en-US" smtClean="0"/>
               <a:pPr/>
-              <a:t>1/19/2023</a:t>
+              <a:t>1/24/2023</a:t>
             </a:fld>
             <a:endParaRPr lang="en-US"/>
           </a:p>
@@ -2140,7 +2140,7 @@
             <a:fld id="{9099FEDA-6AC3-495C-A467-2B0399D71BB7}" type="datetimeFigureOut">
               <a:rPr lang="en-US" smtClean="0"/>
               <a:pPr/>
-              <a:t>1/19/2023</a:t>
+              <a:t>1/24/2023</a:t>
             </a:fld>
             <a:endParaRPr lang="en-US"/>
           </a:p>
@@ -2255,7 +2255,7 @@
             <a:fld id="{9099FEDA-6AC3-495C-A467-2B0399D71BB7}" type="datetimeFigureOut">
               <a:rPr lang="en-US" smtClean="0"/>
               <a:pPr/>
-              <a:t>1/19/2023</a:t>
+              <a:t>1/24/2023</a:t>
             </a:fld>
             <a:endParaRPr lang="en-US"/>
           </a:p>
@@ -2347,7 +2347,7 @@
             <a:fld id="{9099FEDA-6AC3-495C-A467-2B0399D71BB7}" type="datetimeFigureOut">
               <a:rPr lang="en-US" smtClean="0"/>
               <a:pPr/>
-              <a:t>1/19/2023</a:t>
+              <a:t>1/24/2023</a:t>
             </a:fld>
             <a:endParaRPr lang="en-US"/>
           </a:p>
@@ -2621,7 +2621,7 @@
             <a:fld id="{9099FEDA-6AC3-495C-A467-2B0399D71BB7}" type="datetimeFigureOut">
               <a:rPr lang="en-US" smtClean="0"/>
               <a:pPr/>
-              <a:t>1/19/2023</a:t>
+              <a:t>1/24/2023</a:t>
             </a:fld>
             <a:endParaRPr lang="en-US"/>
           </a:p>
@@ -2871,7 +2871,7 @@
             <a:fld id="{9099FEDA-6AC3-495C-A467-2B0399D71BB7}" type="datetimeFigureOut">
               <a:rPr lang="en-US" smtClean="0"/>
               <a:pPr/>
-              <a:t>1/19/2023</a:t>
+              <a:t>1/24/2023</a:t>
             </a:fld>
             <a:endParaRPr lang="en-US"/>
           </a:p>
@@ -3081,7 +3081,7 @@
             <a:fld id="{9099FEDA-6AC3-495C-A467-2B0399D71BB7}" type="datetimeFigureOut">
               <a:rPr lang="en-US" smtClean="0"/>
               <a:pPr/>
-              <a:t>1/19/2023</a:t>
+              <a:t>1/24/2023</a:t>
             </a:fld>
             <a:endParaRPr lang="en-US"/>
           </a:p>
@@ -3511,11 +3511,7 @@
           <a:p>
             <a:r>
               <a:rPr lang="en-IN" dirty="0" smtClean="0"/>
-              <a:t>Centre for Excellence in Basic </a:t>
-            </a:r>
-            <a:r>
-              <a:rPr lang="en-IN" dirty="0" smtClean="0"/>
-              <a:t>Sciences</a:t>
+              <a:t>Centre for Excellence in Basic Sciences</a:t>
             </a:r>
             <a:endParaRPr lang="en-US" dirty="0"/>
           </a:p>
@@ -8080,8 +8076,18 @@
           </a:p>
           <a:p>
             <a:r>
-              <a:rPr lang="en-IN" dirty="0" smtClean="0"/>
-              <a:t>Do anything a human can do</a:t>
+              <a:rPr lang="en-IN" smtClean="0"/>
+              <a:t>Ability to solve arbitrary problem</a:t>
+            </a:r>
+          </a:p>
+          <a:p>
+            <a:r>
+              <a:rPr lang="en-IN" dirty="0" smtClean="0"/>
+              <a:t>Do </a:t>
+            </a:r>
+            <a:r>
+              <a:rPr lang="en-IN" dirty="0" smtClean="0"/>
+              <a:t>anything a human can do</a:t>
             </a:r>
           </a:p>
           <a:p>

--- a/ArtificialIntelligence/ArtificialIntelligence.pptx
+++ b/ArtificialIntelligence/ArtificialIntelligence.pptx
@@ -6263,8 +6263,19 @@
           <a:p>
             <a:r>
               <a:rPr lang="en-IN" dirty="0" smtClean="0"/>
-              <a:t>Decision tree</a:t>
-            </a:r>
+              <a:t>Decision </a:t>
+            </a:r>
+            <a:r>
+              <a:rPr lang="en-IN" dirty="0" smtClean="0"/>
+              <a:t>tree</a:t>
+            </a:r>
+          </a:p>
+          <a:p>
+            <a:r>
+              <a:rPr lang="en-IN" smtClean="0"/>
+              <a:t>Random forest</a:t>
+            </a:r>
+            <a:endParaRPr lang="en-IN" dirty="0" smtClean="0"/>
           </a:p>
           <a:p>
             <a:r>
@@ -8083,11 +8094,7 @@
           <a:p>
             <a:r>
               <a:rPr lang="en-IN" dirty="0" smtClean="0"/>
-              <a:t>Do </a:t>
-            </a:r>
-            <a:r>
-              <a:rPr lang="en-IN" dirty="0" smtClean="0"/>
-              <a:t>anything a human can do</a:t>
+              <a:t>Do anything a human can do</a:t>
             </a:r>
           </a:p>
           <a:p>
